--- a/Presentations/Step1Presentation_ECON5305_DataTranslationChallenge.pptx
+++ b/Presentations/Step1Presentation_ECON5305_DataTranslationChallenge.pptx
@@ -5,7 +5,7 @@
     <p:sldMasterId id="2147483648" r:id="rId1"/>
   </p:sldMasterIdLst>
   <p:notesMasterIdLst>
-    <p:notesMasterId r:id="rId8"/>
+    <p:notesMasterId r:id="rId15"/>
   </p:notesMasterIdLst>
   <p:sldIdLst>
     <p:sldId id="256" r:id="rId2"/>
@@ -14,6 +14,13 @@
     <p:sldId id="259" r:id="rId5"/>
     <p:sldId id="260" r:id="rId6"/>
     <p:sldId id="261" r:id="rId7"/>
+    <p:sldId id="262" r:id="rId8"/>
+    <p:sldId id="265" r:id="rId9"/>
+    <p:sldId id="263" r:id="rId10"/>
+    <p:sldId id="264" r:id="rId11"/>
+    <p:sldId id="266" r:id="rId12"/>
+    <p:sldId id="267" r:id="rId13"/>
+    <p:sldId id="269" r:id="rId14"/>
   </p:sldIdLst>
   <p:sldSz cx="12192000" cy="6858000"/>
   <p:notesSz cx="6858000" cy="9144000"/>
@@ -112,6 +119,11 @@
       </a:defRPr>
     </a:lvl9pPr>
   </p:defaultTextStyle>
+  <p:extLst>
+    <p:ext uri="{EFAFB233-063F-42B5-8137-9DF3F51BA10A}">
+      <p15:sldGuideLst xmlns:p15="http://schemas.microsoft.com/office/powerpoint/2012/main"/>
+    </p:ext>
+  </p:extLst>
 </p:presentation>
 </file>
 
@@ -197,7 +209,7 @@
           <a:p>
             <a:fld id="{D70FD15B-C581-9A4E-994A-4EB5503338F2}" type="datetimeFigureOut">
               <a:rPr lang="en-US" smtClean="0"/>
-              <a:t>5/8/24</a:t>
+              <a:t>5/12/2024</a:t>
             </a:fld>
             <a:endParaRPr lang="en-US"/>
           </a:p>
@@ -570,6 +582,100 @@
 </p:notes>
 </file>
 
+<file path=ppt/notesSlides/notesSlide2.xml><?xml version="1.0" encoding="utf-8"?>
+<p:notes xmlns:a="http://schemas.openxmlformats.org/drawingml/2006/main" xmlns:r="http://schemas.openxmlformats.org/officeDocument/2006/relationships" xmlns:p="http://schemas.openxmlformats.org/presentationml/2006/main">
+  <p:cSld>
+    <p:spTree>
+      <p:nvGrpSpPr>
+        <p:cNvPr id="1" name=""/>
+        <p:cNvGrpSpPr/>
+        <p:nvPr/>
+      </p:nvGrpSpPr>
+      <p:grpSpPr>
+        <a:xfrm>
+          <a:off x="0" y="0"/>
+          <a:ext cx="0" cy="0"/>
+          <a:chOff x="0" y="0"/>
+          <a:chExt cx="0" cy="0"/>
+        </a:xfrm>
+      </p:grpSpPr>
+      <p:sp>
+        <p:nvSpPr>
+          <p:cNvPr id="2" name="Slide Image Placeholder 1"/>
+          <p:cNvSpPr>
+            <a:spLocks noGrp="1" noRot="1" noChangeAspect="1"/>
+          </p:cNvSpPr>
+          <p:nvPr>
+            <p:ph type="sldImg"/>
+          </p:nvPr>
+        </p:nvSpPr>
+        <p:spPr/>
+      </p:sp>
+      <p:sp>
+        <p:nvSpPr>
+          <p:cNvPr id="3" name="Notes Placeholder 2"/>
+          <p:cNvSpPr>
+            <a:spLocks noGrp="1"/>
+          </p:cNvSpPr>
+          <p:nvPr>
+            <p:ph type="body" idx="1"/>
+          </p:nvPr>
+        </p:nvSpPr>
+        <p:spPr/>
+        <p:txBody>
+          <a:bodyPr/>
+          <a:lstStyle/>
+          <a:p>
+            <a:r>
+              <a:rPr lang="en-US" dirty="0"/>
+              <a:t>-0.1627 0.1893 -0.4914 -0.0392 0.0228 -0.5188 0.3685 </a:t>
+            </a:r>
+            <a:br>
+              <a:rPr lang="en-US" dirty="0"/>
+            </a:br>
+            <a:r>
+              <a:rPr lang="en-US" dirty="0"/>
+              <a:t>ma1 ma2 ma3 ma4 ma5 ma6 intercept</a:t>
+            </a:r>
+          </a:p>
+        </p:txBody>
+      </p:sp>
+      <p:sp>
+        <p:nvSpPr>
+          <p:cNvPr id="4" name="Slide Number Placeholder 3"/>
+          <p:cNvSpPr>
+            <a:spLocks noGrp="1"/>
+          </p:cNvSpPr>
+          <p:nvPr>
+            <p:ph type="sldNum" sz="quarter" idx="5"/>
+          </p:nvPr>
+        </p:nvSpPr>
+        <p:spPr/>
+        <p:txBody>
+          <a:bodyPr/>
+          <a:lstStyle/>
+          <a:p>
+            <a:fld id="{9D6EE9D2-D920-4C4E-9F55-6D28928E2CCE}" type="slidenum">
+              <a:rPr lang="en-US" smtClean="0"/>
+              <a:t>8</a:t>
+            </a:fld>
+            <a:endParaRPr lang="en-US"/>
+          </a:p>
+        </p:txBody>
+      </p:sp>
+    </p:spTree>
+    <p:extLst>
+      <p:ext uri="{BB962C8B-B14F-4D97-AF65-F5344CB8AC3E}">
+        <p14:creationId xmlns:p14="http://schemas.microsoft.com/office/powerpoint/2010/main" val="258972632"/>
+      </p:ext>
+    </p:extLst>
+  </p:cSld>
+  <p:clrMapOvr>
+    <a:masterClrMapping/>
+  </p:clrMapOvr>
+</p:notes>
+</file>
+
 <file path=ppt/slideLayouts/slideLayout1.xml><?xml version="1.0" encoding="utf-8"?>
 <p:sldLayout xmlns:a="http://schemas.openxmlformats.org/drawingml/2006/main" xmlns:r="http://schemas.openxmlformats.org/officeDocument/2006/relationships" xmlns:p="http://schemas.openxmlformats.org/presentationml/2006/main" type="title" preserve="1">
   <p:cSld name="Title Slide">
@@ -717,7 +823,7 @@
           <a:p>
             <a:fld id="{713D5187-C304-E74E-99D9-422FCE62D683}" type="datetimeFigureOut">
               <a:rPr lang="en-US" smtClean="0"/>
-              <a:t>5/8/24</a:t>
+              <a:t>5/12/2024</a:t>
             </a:fld>
             <a:endParaRPr lang="en-US"/>
           </a:p>
@@ -915,7 +1021,7 @@
           <a:p>
             <a:fld id="{713D5187-C304-E74E-99D9-422FCE62D683}" type="datetimeFigureOut">
               <a:rPr lang="en-US" smtClean="0"/>
-              <a:t>5/8/24</a:t>
+              <a:t>5/12/2024</a:t>
             </a:fld>
             <a:endParaRPr lang="en-US"/>
           </a:p>
@@ -1123,7 +1229,7 @@
           <a:p>
             <a:fld id="{713D5187-C304-E74E-99D9-422FCE62D683}" type="datetimeFigureOut">
               <a:rPr lang="en-US" smtClean="0"/>
-              <a:t>5/8/24</a:t>
+              <a:t>5/12/2024</a:t>
             </a:fld>
             <a:endParaRPr lang="en-US"/>
           </a:p>
@@ -1321,7 +1427,7 @@
           <a:p>
             <a:fld id="{713D5187-C304-E74E-99D9-422FCE62D683}" type="datetimeFigureOut">
               <a:rPr lang="en-US" smtClean="0"/>
-              <a:t>5/8/24</a:t>
+              <a:t>5/12/2024</a:t>
             </a:fld>
             <a:endParaRPr lang="en-US"/>
           </a:p>
@@ -1596,7 +1702,7 @@
           <a:p>
             <a:fld id="{713D5187-C304-E74E-99D9-422FCE62D683}" type="datetimeFigureOut">
               <a:rPr lang="en-US" smtClean="0"/>
-              <a:t>5/8/24</a:t>
+              <a:t>5/12/2024</a:t>
             </a:fld>
             <a:endParaRPr lang="en-US"/>
           </a:p>
@@ -1861,7 +1967,7 @@
           <a:p>
             <a:fld id="{713D5187-C304-E74E-99D9-422FCE62D683}" type="datetimeFigureOut">
               <a:rPr lang="en-US" smtClean="0"/>
-              <a:t>5/8/24</a:t>
+              <a:t>5/12/2024</a:t>
             </a:fld>
             <a:endParaRPr lang="en-US"/>
           </a:p>
@@ -2273,7 +2379,7 @@
           <a:p>
             <a:fld id="{713D5187-C304-E74E-99D9-422FCE62D683}" type="datetimeFigureOut">
               <a:rPr lang="en-US" smtClean="0"/>
-              <a:t>5/8/24</a:t>
+              <a:t>5/12/2024</a:t>
             </a:fld>
             <a:endParaRPr lang="en-US"/>
           </a:p>
@@ -2414,7 +2520,7 @@
           <a:p>
             <a:fld id="{713D5187-C304-E74E-99D9-422FCE62D683}" type="datetimeFigureOut">
               <a:rPr lang="en-US" smtClean="0"/>
-              <a:t>5/8/24</a:t>
+              <a:t>5/12/2024</a:t>
             </a:fld>
             <a:endParaRPr lang="en-US"/>
           </a:p>
@@ -2527,7 +2633,7 @@
           <a:p>
             <a:fld id="{713D5187-C304-E74E-99D9-422FCE62D683}" type="datetimeFigureOut">
               <a:rPr lang="en-US" smtClean="0"/>
-              <a:t>5/8/24</a:t>
+              <a:t>5/12/2024</a:t>
             </a:fld>
             <a:endParaRPr lang="en-US"/>
           </a:p>
@@ -2838,7 +2944,7 @@
           <a:p>
             <a:fld id="{713D5187-C304-E74E-99D9-422FCE62D683}" type="datetimeFigureOut">
               <a:rPr lang="en-US" smtClean="0"/>
-              <a:t>5/8/24</a:t>
+              <a:t>5/12/2024</a:t>
             </a:fld>
             <a:endParaRPr lang="en-US"/>
           </a:p>
@@ -3126,7 +3232,7 @@
           <a:p>
             <a:fld id="{713D5187-C304-E74E-99D9-422FCE62D683}" type="datetimeFigureOut">
               <a:rPr lang="en-US" smtClean="0"/>
-              <a:t>5/8/24</a:t>
+              <a:t>5/12/2024</a:t>
             </a:fld>
             <a:endParaRPr lang="en-US"/>
           </a:p>
@@ -3367,7 +3473,7 @@
           <a:p>
             <a:fld id="{713D5187-C304-E74E-99D9-422FCE62D683}" type="datetimeFigureOut">
               <a:rPr lang="en-US" smtClean="0"/>
-              <a:t>5/8/24</a:t>
+              <a:t>5/12/2024</a:t>
             </a:fld>
             <a:endParaRPr lang="en-US"/>
           </a:p>
@@ -4803,6 +4909,368 @@
 </p:sld>
 </file>
 
+<file path=ppt/slides/slide10.xml><?xml version="1.0" encoding="utf-8"?>
+<p:sld xmlns:a="http://schemas.openxmlformats.org/drawingml/2006/main" xmlns:r="http://schemas.openxmlformats.org/officeDocument/2006/relationships" xmlns:p="http://schemas.openxmlformats.org/presentationml/2006/main">
+  <p:cSld>
+    <p:spTree>
+      <p:nvGrpSpPr>
+        <p:cNvPr id="1" name=""/>
+        <p:cNvGrpSpPr/>
+        <p:nvPr/>
+      </p:nvGrpSpPr>
+      <p:grpSpPr>
+        <a:xfrm>
+          <a:off x="0" y="0"/>
+          <a:ext cx="0" cy="0"/>
+          <a:chOff x="0" y="0"/>
+          <a:chExt cx="0" cy="0"/>
+        </a:xfrm>
+      </p:grpSpPr>
+      <p:sp>
+        <p:nvSpPr>
+          <p:cNvPr id="2" name="Title 1">
+            <a:extLst>
+              <a:ext uri="{FF2B5EF4-FFF2-40B4-BE49-F238E27FC236}">
+                <a16:creationId xmlns:a16="http://schemas.microsoft.com/office/drawing/2014/main" id="{655C788F-274B-D7C7-E939-B72552CA34D8}"/>
+              </a:ext>
+            </a:extLst>
+          </p:cNvPr>
+          <p:cNvSpPr>
+            <a:spLocks noGrp="1"/>
+          </p:cNvSpPr>
+          <p:nvPr>
+            <p:ph type="title"/>
+          </p:nvPr>
+        </p:nvSpPr>
+        <p:spPr/>
+        <p:txBody>
+          <a:bodyPr/>
+          <a:lstStyle/>
+          <a:p>
+            <a:r>
+              <a:rPr lang="en-US" dirty="0"/>
+              <a:t>White Noise confirmations:</a:t>
+            </a:r>
+          </a:p>
+        </p:txBody>
+      </p:sp>
+      <p:sp>
+        <p:nvSpPr>
+          <p:cNvPr id="3" name="Content Placeholder 2">
+            <a:extLst>
+              <a:ext uri="{FF2B5EF4-FFF2-40B4-BE49-F238E27FC236}">
+                <a16:creationId xmlns:a16="http://schemas.microsoft.com/office/drawing/2014/main" id="{C5091C14-C077-9D03-628A-F2F85AFCBB9C}"/>
+              </a:ext>
+            </a:extLst>
+          </p:cNvPr>
+          <p:cNvSpPr>
+            <a:spLocks noGrp="1"/>
+          </p:cNvSpPr>
+          <p:nvPr>
+            <p:ph idx="1"/>
+          </p:nvPr>
+        </p:nvSpPr>
+        <p:spPr/>
+        <p:txBody>
+          <a:bodyPr/>
+          <a:lstStyle/>
+          <a:p>
+            <a:r>
+              <a:rPr lang="en-US" dirty="0"/>
+              <a:t>Box-</a:t>
+            </a:r>
+            <a:r>
+              <a:rPr lang="en-US" dirty="0" err="1"/>
+              <a:t>Ljung</a:t>
+            </a:r>
+            <a:r>
+              <a:rPr lang="en-US" dirty="0"/>
+              <a:t> test data for residuals MA6 has p-value of 0.9745. So our residual is white noise  so we can move ahead with forecasting</a:t>
+            </a:r>
+            <a:br>
+              <a:rPr lang="en-US" dirty="0"/>
+            </a:br>
+            <a:endParaRPr lang="en-US" dirty="0"/>
+          </a:p>
+        </p:txBody>
+      </p:sp>
+    </p:spTree>
+    <p:extLst>
+      <p:ext uri="{BB962C8B-B14F-4D97-AF65-F5344CB8AC3E}">
+        <p14:creationId xmlns:p14="http://schemas.microsoft.com/office/powerpoint/2010/main" val="2966933007"/>
+      </p:ext>
+    </p:extLst>
+  </p:cSld>
+  <p:clrMapOvr>
+    <a:masterClrMapping/>
+  </p:clrMapOvr>
+</p:sld>
+</file>
+
+<file path=ppt/slides/slide11.xml><?xml version="1.0" encoding="utf-8"?>
+<p:sld xmlns:a="http://schemas.openxmlformats.org/drawingml/2006/main" xmlns:r="http://schemas.openxmlformats.org/officeDocument/2006/relationships" xmlns:p="http://schemas.openxmlformats.org/presentationml/2006/main">
+  <p:cSld>
+    <p:spTree>
+      <p:nvGrpSpPr>
+        <p:cNvPr id="1" name=""/>
+        <p:cNvGrpSpPr/>
+        <p:nvPr/>
+      </p:nvGrpSpPr>
+      <p:grpSpPr>
+        <a:xfrm>
+          <a:off x="0" y="0"/>
+          <a:ext cx="0" cy="0"/>
+          <a:chOff x="0" y="0"/>
+          <a:chExt cx="0" cy="0"/>
+        </a:xfrm>
+      </p:grpSpPr>
+      <p:sp>
+        <p:nvSpPr>
+          <p:cNvPr id="2" name="Title 1">
+            <a:extLst>
+              <a:ext uri="{FF2B5EF4-FFF2-40B4-BE49-F238E27FC236}">
+                <a16:creationId xmlns:a16="http://schemas.microsoft.com/office/drawing/2014/main" id="{0FED53A2-DEDB-EA2D-30A9-99FF340CE34E}"/>
+              </a:ext>
+            </a:extLst>
+          </p:cNvPr>
+          <p:cNvSpPr>
+            <a:spLocks noGrp="1"/>
+          </p:cNvSpPr>
+          <p:nvPr>
+            <p:ph type="title"/>
+          </p:nvPr>
+        </p:nvSpPr>
+        <p:spPr/>
+        <p:txBody>
+          <a:bodyPr/>
+          <a:lstStyle/>
+          <a:p>
+            <a:r>
+              <a:rPr lang="en-US" dirty="0"/>
+              <a:t>MA(6) forecast</a:t>
+            </a:r>
+          </a:p>
+        </p:txBody>
+      </p:sp>
+      <p:pic>
+        <p:nvPicPr>
+          <p:cNvPr id="5" name="Picture 4">
+            <a:extLst>
+              <a:ext uri="{FF2B5EF4-FFF2-40B4-BE49-F238E27FC236}">
+                <a16:creationId xmlns:a16="http://schemas.microsoft.com/office/drawing/2014/main" id="{028D2B6B-8124-489A-7135-769769E87596}"/>
+              </a:ext>
+            </a:extLst>
+          </p:cNvPr>
+          <p:cNvPicPr>
+            <a:picLocks noChangeAspect="1"/>
+          </p:cNvPicPr>
+          <p:nvPr/>
+        </p:nvPicPr>
+        <p:blipFill>
+          <a:blip r:embed="rId2"/>
+          <a:stretch>
+            <a:fillRect/>
+          </a:stretch>
+        </p:blipFill>
+        <p:spPr>
+          <a:xfrm>
+            <a:off x="1633216" y="1337970"/>
+            <a:ext cx="8484178" cy="5216463"/>
+          </a:xfrm>
+          <a:prstGeom prst="rect">
+            <a:avLst/>
+          </a:prstGeom>
+        </p:spPr>
+      </p:pic>
+    </p:spTree>
+    <p:extLst>
+      <p:ext uri="{BB962C8B-B14F-4D97-AF65-F5344CB8AC3E}">
+        <p14:creationId xmlns:p14="http://schemas.microsoft.com/office/powerpoint/2010/main" val="2880182674"/>
+      </p:ext>
+    </p:extLst>
+  </p:cSld>
+  <p:clrMapOvr>
+    <a:masterClrMapping/>
+  </p:clrMapOvr>
+</p:sld>
+</file>
+
+<file path=ppt/slides/slide12.xml><?xml version="1.0" encoding="utf-8"?>
+<p:sld xmlns:a="http://schemas.openxmlformats.org/drawingml/2006/main" xmlns:r="http://schemas.openxmlformats.org/officeDocument/2006/relationships" xmlns:p="http://schemas.openxmlformats.org/presentationml/2006/main">
+  <p:cSld>
+    <p:spTree>
+      <p:nvGrpSpPr>
+        <p:cNvPr id="1" name=""/>
+        <p:cNvGrpSpPr/>
+        <p:nvPr/>
+      </p:nvGrpSpPr>
+      <p:grpSpPr>
+        <a:xfrm>
+          <a:off x="0" y="0"/>
+          <a:ext cx="0" cy="0"/>
+          <a:chOff x="0" y="0"/>
+          <a:chExt cx="0" cy="0"/>
+        </a:xfrm>
+      </p:grpSpPr>
+      <p:sp>
+        <p:nvSpPr>
+          <p:cNvPr id="2" name="Title 1">
+            <a:extLst>
+              <a:ext uri="{FF2B5EF4-FFF2-40B4-BE49-F238E27FC236}">
+                <a16:creationId xmlns:a16="http://schemas.microsoft.com/office/drawing/2014/main" id="{0FED53A2-DEDB-EA2D-30A9-99FF340CE34E}"/>
+              </a:ext>
+            </a:extLst>
+          </p:cNvPr>
+          <p:cNvSpPr>
+            <a:spLocks noGrp="1"/>
+          </p:cNvSpPr>
+          <p:nvPr>
+            <p:ph type="title"/>
+          </p:nvPr>
+        </p:nvSpPr>
+        <p:spPr/>
+        <p:txBody>
+          <a:bodyPr/>
+          <a:lstStyle/>
+          <a:p>
+            <a:r>
+              <a:rPr lang="en-US" dirty="0"/>
+              <a:t>ARMA(1,6) forecast</a:t>
+            </a:r>
+          </a:p>
+        </p:txBody>
+      </p:sp>
+      <p:pic>
+        <p:nvPicPr>
+          <p:cNvPr id="4" name="Picture 3">
+            <a:extLst>
+              <a:ext uri="{FF2B5EF4-FFF2-40B4-BE49-F238E27FC236}">
+                <a16:creationId xmlns:a16="http://schemas.microsoft.com/office/drawing/2014/main" id="{F4F44967-B522-3F5C-936D-611A18A1D89E}"/>
+              </a:ext>
+            </a:extLst>
+          </p:cNvPr>
+          <p:cNvPicPr>
+            <a:picLocks noChangeAspect="1"/>
+          </p:cNvPicPr>
+          <p:nvPr/>
+        </p:nvPicPr>
+        <p:blipFill>
+          <a:blip r:embed="rId2"/>
+          <a:stretch>
+            <a:fillRect/>
+          </a:stretch>
+        </p:blipFill>
+        <p:spPr>
+          <a:xfrm>
+            <a:off x="1948154" y="1416934"/>
+            <a:ext cx="8503536" cy="5237513"/>
+          </a:xfrm>
+          <a:prstGeom prst="rect">
+            <a:avLst/>
+          </a:prstGeom>
+        </p:spPr>
+      </p:pic>
+    </p:spTree>
+    <p:extLst>
+      <p:ext uri="{BB962C8B-B14F-4D97-AF65-F5344CB8AC3E}">
+        <p14:creationId xmlns:p14="http://schemas.microsoft.com/office/powerpoint/2010/main" val="2346892962"/>
+      </p:ext>
+    </p:extLst>
+  </p:cSld>
+  <p:clrMapOvr>
+    <a:masterClrMapping/>
+  </p:clrMapOvr>
+</p:sld>
+</file>
+
+<file path=ppt/slides/slide13.xml><?xml version="1.0" encoding="utf-8"?>
+<p:sld xmlns:a="http://schemas.openxmlformats.org/drawingml/2006/main" xmlns:r="http://schemas.openxmlformats.org/officeDocument/2006/relationships" xmlns:p="http://schemas.openxmlformats.org/presentationml/2006/main">
+  <p:cSld>
+    <p:spTree>
+      <p:nvGrpSpPr>
+        <p:cNvPr id="1" name=""/>
+        <p:cNvGrpSpPr/>
+        <p:nvPr/>
+      </p:nvGrpSpPr>
+      <p:grpSpPr>
+        <a:xfrm>
+          <a:off x="0" y="0"/>
+          <a:ext cx="0" cy="0"/>
+          <a:chOff x="0" y="0"/>
+          <a:chExt cx="0" cy="0"/>
+        </a:xfrm>
+      </p:grpSpPr>
+      <p:sp>
+        <p:nvSpPr>
+          <p:cNvPr id="2" name="Title 1">
+            <a:extLst>
+              <a:ext uri="{FF2B5EF4-FFF2-40B4-BE49-F238E27FC236}">
+                <a16:creationId xmlns:a16="http://schemas.microsoft.com/office/drawing/2014/main" id="{0FED53A2-DEDB-EA2D-30A9-99FF340CE34E}"/>
+              </a:ext>
+            </a:extLst>
+          </p:cNvPr>
+          <p:cNvSpPr>
+            <a:spLocks noGrp="1"/>
+          </p:cNvSpPr>
+          <p:nvPr>
+            <p:ph type="title"/>
+          </p:nvPr>
+        </p:nvSpPr>
+        <p:spPr/>
+        <p:txBody>
+          <a:bodyPr/>
+          <a:lstStyle/>
+          <a:p>
+            <a:r>
+              <a:rPr lang="en-US" dirty="0"/>
+              <a:t>ARMA(2,2) forecast</a:t>
+            </a:r>
+          </a:p>
+        </p:txBody>
+      </p:sp>
+      <p:pic>
+        <p:nvPicPr>
+          <p:cNvPr id="5" name="Picture 4">
+            <a:extLst>
+              <a:ext uri="{FF2B5EF4-FFF2-40B4-BE49-F238E27FC236}">
+                <a16:creationId xmlns:a16="http://schemas.microsoft.com/office/drawing/2014/main" id="{6746BD2D-B04D-A6E5-850E-D75AA851763D}"/>
+              </a:ext>
+            </a:extLst>
+          </p:cNvPr>
+          <p:cNvPicPr>
+            <a:picLocks noChangeAspect="1"/>
+          </p:cNvPicPr>
+          <p:nvPr/>
+        </p:nvPicPr>
+        <p:blipFill>
+          <a:blip r:embed="rId2"/>
+          <a:stretch>
+            <a:fillRect/>
+          </a:stretch>
+        </p:blipFill>
+        <p:spPr>
+          <a:xfrm>
+            <a:off x="1671321" y="1540297"/>
+            <a:ext cx="7679156" cy="4829384"/>
+          </a:xfrm>
+          <a:prstGeom prst="rect">
+            <a:avLst/>
+          </a:prstGeom>
+        </p:spPr>
+      </p:pic>
+    </p:spTree>
+    <p:extLst>
+      <p:ext uri="{BB962C8B-B14F-4D97-AF65-F5344CB8AC3E}">
+        <p14:creationId xmlns:p14="http://schemas.microsoft.com/office/powerpoint/2010/main" val="3825224320"/>
+      </p:ext>
+    </p:extLst>
+  </p:cSld>
+  <p:clrMapOvr>
+    <a:masterClrMapping/>
+  </p:clrMapOvr>
+</p:sld>
+</file>
+
 <file path=ppt/slides/slide2.xml><?xml version="1.0" encoding="utf-8"?>
 <p:sld xmlns:a="http://schemas.openxmlformats.org/drawingml/2006/main" xmlns:r="http://schemas.openxmlformats.org/officeDocument/2006/relationships" xmlns:p="http://schemas.openxmlformats.org/presentationml/2006/main">
   <p:cSld>
@@ -6204,6 +6672,1049 @@
     <p:extLst>
       <p:ext uri="{BB962C8B-B14F-4D97-AF65-F5344CB8AC3E}">
         <p14:creationId xmlns:p14="http://schemas.microsoft.com/office/powerpoint/2010/main" val="4151467424"/>
+      </p:ext>
+    </p:extLst>
+  </p:cSld>
+  <p:clrMapOvr>
+    <a:masterClrMapping/>
+  </p:clrMapOvr>
+</p:sld>
+</file>
+
+<file path=ppt/slides/slide7.xml><?xml version="1.0" encoding="utf-8"?>
+<p:sld xmlns:a="http://schemas.openxmlformats.org/drawingml/2006/main" xmlns:r="http://schemas.openxmlformats.org/officeDocument/2006/relationships" xmlns:p="http://schemas.openxmlformats.org/presentationml/2006/main">
+  <p:cSld>
+    <p:spTree>
+      <p:nvGrpSpPr>
+        <p:cNvPr id="1" name=""/>
+        <p:cNvGrpSpPr/>
+        <p:nvPr/>
+      </p:nvGrpSpPr>
+      <p:grpSpPr>
+        <a:xfrm>
+          <a:off x="0" y="0"/>
+          <a:ext cx="0" cy="0"/>
+          <a:chOff x="0" y="0"/>
+          <a:chExt cx="0" cy="0"/>
+        </a:xfrm>
+      </p:grpSpPr>
+      <p:sp>
+        <p:nvSpPr>
+          <p:cNvPr id="2" name="Title 1">
+            <a:extLst>
+              <a:ext uri="{FF2B5EF4-FFF2-40B4-BE49-F238E27FC236}">
+                <a16:creationId xmlns:a16="http://schemas.microsoft.com/office/drawing/2014/main" id="{6A4492B7-52F0-487A-4B24-79EA82E35962}"/>
+              </a:ext>
+            </a:extLst>
+          </p:cNvPr>
+          <p:cNvSpPr>
+            <a:spLocks noGrp="1"/>
+          </p:cNvSpPr>
+          <p:nvPr>
+            <p:ph type="title"/>
+          </p:nvPr>
+        </p:nvSpPr>
+        <p:spPr/>
+        <p:txBody>
+          <a:bodyPr/>
+          <a:lstStyle/>
+          <a:p>
+            <a:r>
+              <a:rPr lang="en-US" dirty="0"/>
+              <a:t>Different Models: </a:t>
+            </a:r>
+          </a:p>
+        </p:txBody>
+      </p:sp>
+      <p:graphicFrame>
+        <p:nvGraphicFramePr>
+          <p:cNvPr id="4" name="Content Placeholder 3">
+            <a:extLst>
+              <a:ext uri="{FF2B5EF4-FFF2-40B4-BE49-F238E27FC236}">
+                <a16:creationId xmlns:a16="http://schemas.microsoft.com/office/drawing/2014/main" id="{4B5380AC-4675-533B-90CA-00CC92215B56}"/>
+              </a:ext>
+            </a:extLst>
+          </p:cNvPr>
+          <p:cNvGraphicFramePr>
+            <a:graphicFrameLocks noGrp="1"/>
+          </p:cNvGraphicFramePr>
+          <p:nvPr>
+            <p:ph idx="1"/>
+            <p:extLst>
+              <p:ext uri="{D42A27DB-BD31-4B8C-83A1-F6EECF244321}">
+                <p14:modId xmlns:p14="http://schemas.microsoft.com/office/powerpoint/2010/main" val="2528675321"/>
+              </p:ext>
+            </p:extLst>
+          </p:nvPr>
+        </p:nvGraphicFramePr>
+        <p:xfrm>
+          <a:off x="838200" y="1825624"/>
+          <a:ext cx="10515600" cy="2538556"/>
+        </p:xfrm>
+        <a:graphic>
+          <a:graphicData uri="http://schemas.openxmlformats.org/drawingml/2006/table">
+            <a:tbl>
+              <a:tblPr firstRow="1" bandRow="1">
+                <a:tableStyleId>{5C22544A-7EE6-4342-B048-85BDC9FD1C3A}</a:tableStyleId>
+              </a:tblPr>
+              <a:tblGrid>
+                <a:gridCol w="2103120">
+                  <a:extLst>
+                    <a:ext uri="{9D8B030D-6E8A-4147-A177-3AD203B41FA5}">
+                      <a16:colId xmlns:a16="http://schemas.microsoft.com/office/drawing/2014/main" val="3268273309"/>
+                    </a:ext>
+                  </a:extLst>
+                </a:gridCol>
+                <a:gridCol w="2103120">
+                  <a:extLst>
+                    <a:ext uri="{9D8B030D-6E8A-4147-A177-3AD203B41FA5}">
+                      <a16:colId xmlns:a16="http://schemas.microsoft.com/office/drawing/2014/main" val="2357267589"/>
+                    </a:ext>
+                  </a:extLst>
+                </a:gridCol>
+                <a:gridCol w="2103120">
+                  <a:extLst>
+                    <a:ext uri="{9D8B030D-6E8A-4147-A177-3AD203B41FA5}">
+                      <a16:colId xmlns:a16="http://schemas.microsoft.com/office/drawing/2014/main" val="2834941576"/>
+                    </a:ext>
+                  </a:extLst>
+                </a:gridCol>
+                <a:gridCol w="2103120">
+                  <a:extLst>
+                    <a:ext uri="{9D8B030D-6E8A-4147-A177-3AD203B41FA5}">
+                      <a16:colId xmlns:a16="http://schemas.microsoft.com/office/drawing/2014/main" val="1196617560"/>
+                    </a:ext>
+                  </a:extLst>
+                </a:gridCol>
+                <a:gridCol w="2103120">
+                  <a:extLst>
+                    <a:ext uri="{9D8B030D-6E8A-4147-A177-3AD203B41FA5}">
+                      <a16:colId xmlns:a16="http://schemas.microsoft.com/office/drawing/2014/main" val="3247661448"/>
+                    </a:ext>
+                  </a:extLst>
+                </a:gridCol>
+              </a:tblGrid>
+              <a:tr h="634639">
+                <a:tc>
+                  <a:txBody>
+                    <a:bodyPr/>
+                    <a:lstStyle/>
+                    <a:p>
+                      <a:r>
+                        <a:rPr lang="en-US" dirty="0"/>
+                        <a:t>Model </a:t>
+                      </a:r>
+                    </a:p>
+                  </a:txBody>
+                  <a:tcPr/>
+                </a:tc>
+                <a:tc>
+                  <a:txBody>
+                    <a:bodyPr/>
+                    <a:lstStyle/>
+                    <a:p>
+                      <a:r>
+                        <a:rPr lang="en-US" dirty="0"/>
+                        <a:t>R^2</a:t>
+                      </a:r>
+                    </a:p>
+                  </a:txBody>
+                  <a:tcPr/>
+                </a:tc>
+                <a:tc>
+                  <a:txBody>
+                    <a:bodyPr/>
+                    <a:lstStyle/>
+                    <a:p>
+                      <a:r>
+                        <a:rPr lang="en-US" dirty="0"/>
+                        <a:t>AIC</a:t>
+                      </a:r>
+                    </a:p>
+                  </a:txBody>
+                  <a:tcPr/>
+                </a:tc>
+                <a:tc>
+                  <a:txBody>
+                    <a:bodyPr/>
+                    <a:lstStyle/>
+                    <a:p>
+                      <a:r>
+                        <a:rPr lang="en-US" dirty="0"/>
+                        <a:t>BIC</a:t>
+                      </a:r>
+                    </a:p>
+                  </a:txBody>
+                  <a:tcPr/>
+                </a:tc>
+                <a:tc>
+                  <a:txBody>
+                    <a:bodyPr/>
+                    <a:lstStyle/>
+                    <a:p>
+                      <a:r>
+                        <a:rPr lang="en-US" dirty="0"/>
+                        <a:t>Mean residual</a:t>
+                      </a:r>
+                    </a:p>
+                  </a:txBody>
+                  <a:tcPr/>
+                </a:tc>
+                <a:extLst>
+                  <a:ext uri="{0D108BD9-81ED-4DB2-BD59-A6C34878D82A}">
+                    <a16:rowId xmlns:a16="http://schemas.microsoft.com/office/drawing/2014/main" val="2243569678"/>
+                  </a:ext>
+                </a:extLst>
+              </a:tr>
+              <a:tr h="634639">
+                <a:tc>
+                  <a:txBody>
+                    <a:bodyPr/>
+                    <a:lstStyle/>
+                    <a:p>
+                      <a:r>
+                        <a:rPr lang="en-US" dirty="0"/>
+                        <a:t>MA(6)</a:t>
+                      </a:r>
+                    </a:p>
+                  </a:txBody>
+                  <a:tcPr/>
+                </a:tc>
+                <a:tc>
+                  <a:txBody>
+                    <a:bodyPr/>
+                    <a:lstStyle/>
+                    <a:p>
+                      <a:pPr algn="r"/>
+                      <a:r>
+                        <a:rPr lang="en-US" sz="1800" dirty="0">
+                          <a:effectLst/>
+                        </a:rPr>
+                        <a:t>0.4409296</a:t>
+                      </a:r>
+                    </a:p>
+                  </a:txBody>
+                  <a:tcPr marL="57150" marR="57150" marT="19050" marB="19050" anchor="ctr"/>
+                </a:tc>
+                <a:tc>
+                  <a:txBody>
+                    <a:bodyPr/>
+                    <a:lstStyle/>
+                    <a:p>
+                      <a:pPr algn="r"/>
+                      <a:r>
+                        <a:rPr lang="en-US" sz="1800" dirty="0">
+                          <a:effectLst/>
+                        </a:rPr>
+                        <a:t>232.6891</a:t>
+                      </a:r>
+                    </a:p>
+                  </a:txBody>
+                  <a:tcPr marL="57150" marR="57150" marT="19050" marB="19050" anchor="ctr"/>
+                </a:tc>
+                <a:tc>
+                  <a:txBody>
+                    <a:bodyPr/>
+                    <a:lstStyle/>
+                    <a:p>
+                      <a:pPr algn="r"/>
+                      <a:r>
+                        <a:rPr lang="en-US" sz="1800" dirty="0">
+                          <a:effectLst/>
+                        </a:rPr>
+                        <a:t>246.7787</a:t>
+                      </a:r>
+                    </a:p>
+                  </a:txBody>
+                  <a:tcPr marL="57150" marR="57150" marT="19050" marB="19050" anchor="ctr"/>
+                </a:tc>
+                <a:tc>
+                  <a:txBody>
+                    <a:bodyPr/>
+                    <a:lstStyle/>
+                    <a:p>
+                      <a:pPr algn="r"/>
+                      <a:r>
+                        <a:rPr lang="en-US" sz="1800" dirty="0">
+                          <a:effectLst/>
+                        </a:rPr>
+                        <a:t>-0.232139905</a:t>
+                      </a:r>
+                    </a:p>
+                  </a:txBody>
+                  <a:tcPr marL="57150" marR="57150" marT="19050" marB="19050" anchor="ctr"/>
+                </a:tc>
+                <a:extLst>
+                  <a:ext uri="{0D108BD9-81ED-4DB2-BD59-A6C34878D82A}">
+                    <a16:rowId xmlns:a16="http://schemas.microsoft.com/office/drawing/2014/main" val="2462011565"/>
+                  </a:ext>
+                </a:extLst>
+              </a:tr>
+              <a:tr h="634639">
+                <a:tc>
+                  <a:txBody>
+                    <a:bodyPr/>
+                    <a:lstStyle/>
+                    <a:p>
+                      <a:pPr algn="l"/>
+                      <a:r>
+                        <a:rPr lang="en-US" sz="1800" dirty="0">
+                          <a:effectLst/>
+                        </a:rPr>
+                        <a:t>ARMA(2,2)</a:t>
+                      </a:r>
+                    </a:p>
+                  </a:txBody>
+                  <a:tcPr marL="57150" marR="57150" marT="19050" marB="19050" anchor="ctr"/>
+                </a:tc>
+                <a:tc>
+                  <a:txBody>
+                    <a:bodyPr/>
+                    <a:lstStyle/>
+                    <a:p>
+                      <a:pPr algn="r"/>
+                      <a:r>
+                        <a:rPr lang="en-US" sz="1800">
+                          <a:effectLst/>
+                        </a:rPr>
+                        <a:t>0.2961370</a:t>
+                      </a:r>
+                    </a:p>
+                  </a:txBody>
+                  <a:tcPr marL="57150" marR="57150" marT="19050" marB="19050" anchor="ctr"/>
+                </a:tc>
+                <a:tc>
+                  <a:txBody>
+                    <a:bodyPr/>
+                    <a:lstStyle/>
+                    <a:p>
+                      <a:pPr algn="r"/>
+                      <a:r>
+                        <a:rPr lang="en-US" sz="1800">
+                          <a:effectLst/>
+                        </a:rPr>
+                        <a:t>234.8351</a:t>
+                      </a:r>
+                    </a:p>
+                  </a:txBody>
+                  <a:tcPr marL="57150" marR="57150" marT="19050" marB="19050" anchor="ctr"/>
+                </a:tc>
+                <a:tc>
+                  <a:txBody>
+                    <a:bodyPr/>
+                    <a:lstStyle/>
+                    <a:p>
+                      <a:pPr algn="r"/>
+                      <a:r>
+                        <a:rPr lang="en-US" sz="1800">
+                          <a:effectLst/>
+                        </a:rPr>
+                        <a:t>245.4023</a:t>
+                      </a:r>
+                    </a:p>
+                  </a:txBody>
+                  <a:tcPr marL="57150" marR="57150" marT="19050" marB="19050" anchor="ctr"/>
+                </a:tc>
+                <a:tc>
+                  <a:txBody>
+                    <a:bodyPr/>
+                    <a:lstStyle/>
+                    <a:p>
+                      <a:pPr algn="r"/>
+                      <a:r>
+                        <a:rPr lang="en-US" sz="1800" dirty="0">
+                          <a:effectLst/>
+                        </a:rPr>
+                        <a:t>0.004423279</a:t>
+                      </a:r>
+                    </a:p>
+                  </a:txBody>
+                  <a:tcPr marL="57150" marR="57150" marT="19050" marB="19050" anchor="ctr"/>
+                </a:tc>
+                <a:extLst>
+                  <a:ext uri="{0D108BD9-81ED-4DB2-BD59-A6C34878D82A}">
+                    <a16:rowId xmlns:a16="http://schemas.microsoft.com/office/drawing/2014/main" val="1395281860"/>
+                  </a:ext>
+                </a:extLst>
+              </a:tr>
+              <a:tr h="634639">
+                <a:tc>
+                  <a:txBody>
+                    <a:bodyPr/>
+                    <a:lstStyle/>
+                    <a:p>
+                      <a:pPr algn="l"/>
+                      <a:r>
+                        <a:rPr lang="en-US" sz="1800" dirty="0">
+                          <a:effectLst/>
+                        </a:rPr>
+                        <a:t>ARMA(1,6)</a:t>
+                      </a:r>
+                    </a:p>
+                  </a:txBody>
+                  <a:tcPr marL="57150" marR="57150" marT="19050" marB="19050" anchor="ctr"/>
+                </a:tc>
+                <a:tc>
+                  <a:txBody>
+                    <a:bodyPr/>
+                    <a:lstStyle/>
+                    <a:p>
+                      <a:pPr algn="r"/>
+                      <a:r>
+                        <a:rPr lang="en-US" sz="1800" dirty="0">
+                          <a:effectLst/>
+                        </a:rPr>
+                        <a:t>0.4421626</a:t>
+                      </a:r>
+                    </a:p>
+                  </a:txBody>
+                  <a:tcPr marL="57150" marR="57150" marT="19050" marB="19050" anchor="ctr"/>
+                </a:tc>
+                <a:tc>
+                  <a:txBody>
+                    <a:bodyPr/>
+                    <a:lstStyle/>
+                    <a:p>
+                      <a:pPr algn="r"/>
+                      <a:r>
+                        <a:rPr lang="en-US" sz="1800">
+                          <a:effectLst/>
+                        </a:rPr>
+                        <a:t>234.6683</a:t>
+                      </a:r>
+                    </a:p>
+                  </a:txBody>
+                  <a:tcPr marL="57150" marR="57150" marT="19050" marB="19050" anchor="ctr"/>
+                </a:tc>
+                <a:tc>
+                  <a:txBody>
+                    <a:bodyPr/>
+                    <a:lstStyle/>
+                    <a:p>
+                      <a:pPr algn="r"/>
+                      <a:r>
+                        <a:rPr lang="en-US" sz="1800">
+                          <a:effectLst/>
+                        </a:rPr>
+                        <a:t>250.5191</a:t>
+                      </a:r>
+                    </a:p>
+                  </a:txBody>
+                  <a:tcPr marL="57150" marR="57150" marT="19050" marB="19050" anchor="ctr"/>
+                </a:tc>
+                <a:tc>
+                  <a:txBody>
+                    <a:bodyPr/>
+                    <a:lstStyle/>
+                    <a:p>
+                      <a:pPr algn="r"/>
+                      <a:r>
+                        <a:rPr lang="en-US" sz="1800" dirty="0">
+                          <a:effectLst/>
+                        </a:rPr>
+                        <a:t>-0.227868827</a:t>
+                      </a:r>
+                    </a:p>
+                  </a:txBody>
+                  <a:tcPr marL="57150" marR="57150" marT="19050" marB="19050" anchor="ctr"/>
+                </a:tc>
+                <a:extLst>
+                  <a:ext uri="{0D108BD9-81ED-4DB2-BD59-A6C34878D82A}">
+                    <a16:rowId xmlns:a16="http://schemas.microsoft.com/office/drawing/2014/main" val="2231455665"/>
+                  </a:ext>
+                </a:extLst>
+              </a:tr>
+            </a:tbl>
+          </a:graphicData>
+        </a:graphic>
+      </p:graphicFrame>
+    </p:spTree>
+    <p:extLst>
+      <p:ext uri="{BB962C8B-B14F-4D97-AF65-F5344CB8AC3E}">
+        <p14:creationId xmlns:p14="http://schemas.microsoft.com/office/powerpoint/2010/main" val="406667668"/>
+      </p:ext>
+    </p:extLst>
+  </p:cSld>
+  <p:clrMapOvr>
+    <a:masterClrMapping/>
+  </p:clrMapOvr>
+</p:sld>
+</file>
+
+<file path=ppt/slides/slide8.xml><?xml version="1.0" encoding="utf-8"?>
+<p:sld xmlns:a="http://schemas.openxmlformats.org/drawingml/2006/main" xmlns:r="http://schemas.openxmlformats.org/officeDocument/2006/relationships" xmlns:p="http://schemas.openxmlformats.org/presentationml/2006/main">
+  <p:cSld>
+    <p:spTree>
+      <p:nvGrpSpPr>
+        <p:cNvPr id="1" name=""/>
+        <p:cNvGrpSpPr/>
+        <p:nvPr/>
+      </p:nvGrpSpPr>
+      <p:grpSpPr>
+        <a:xfrm>
+          <a:off x="0" y="0"/>
+          <a:ext cx="0" cy="0"/>
+          <a:chOff x="0" y="0"/>
+          <a:chExt cx="0" cy="0"/>
+        </a:xfrm>
+      </p:grpSpPr>
+      <p:sp>
+        <p:nvSpPr>
+          <p:cNvPr id="2" name="Title 1">
+            <a:extLst>
+              <a:ext uri="{FF2B5EF4-FFF2-40B4-BE49-F238E27FC236}">
+                <a16:creationId xmlns:a16="http://schemas.microsoft.com/office/drawing/2014/main" id="{E23A156D-B050-3517-1EDE-478E3EE2C02F}"/>
+              </a:ext>
+            </a:extLst>
+          </p:cNvPr>
+          <p:cNvSpPr>
+            <a:spLocks noGrp="1"/>
+          </p:cNvSpPr>
+          <p:nvPr>
+            <p:ph type="title"/>
+          </p:nvPr>
+        </p:nvSpPr>
+        <p:spPr/>
+        <p:txBody>
+          <a:bodyPr/>
+          <a:lstStyle/>
+          <a:p>
+            <a:r>
+              <a:rPr lang="en-US" dirty="0"/>
+              <a:t>Model in Regression format:</a:t>
+            </a:r>
+          </a:p>
+        </p:txBody>
+      </p:sp>
+      <mc:AlternateContent xmlns:mc="http://schemas.openxmlformats.org/markup-compatibility/2006" xmlns:a14="http://schemas.microsoft.com/office/drawing/2010/main">
+        <mc:Choice Requires="a14">
+          <p:sp>
+            <p:nvSpPr>
+              <p:cNvPr id="3" name="Content Placeholder 2">
+                <a:extLst>
+                  <a:ext uri="{FF2B5EF4-FFF2-40B4-BE49-F238E27FC236}">
+                    <a16:creationId xmlns:a16="http://schemas.microsoft.com/office/drawing/2014/main" id="{0BFB177F-99F7-47F0-0E49-B2B93E31EB56}"/>
+                  </a:ext>
+                </a:extLst>
+              </p:cNvPr>
+              <p:cNvSpPr>
+                <a:spLocks noGrp="1"/>
+              </p:cNvSpPr>
+              <p:nvPr>
+                <p:ph idx="1"/>
+              </p:nvPr>
+            </p:nvSpPr>
+            <p:spPr/>
+            <p:txBody>
+              <a:bodyPr/>
+              <a:lstStyle/>
+              <a:p>
+                <a:r>
+                  <a:rPr lang="en-US" dirty="0"/>
+                  <a:t>MA(6)</a:t>
+                </a:r>
+              </a:p>
+              <a:p>
+                <a:pPr marL="0" indent="0">
+                  <a:buNone/>
+                </a:pPr>
+                <a:r>
+                  <a:rPr lang="en-US" dirty="0"/>
+                  <a:t>Y(t) = 0.3685   -0.1627</a:t>
+                </a:r>
+                <a:r>
+                  <a:rPr lang="el-GR" dirty="0"/>
+                  <a:t>​</a:t>
+                </a:r>
+                <a14:m>
+                  <m:oMath xmlns:m="http://schemas.openxmlformats.org/officeDocument/2006/math">
+                    <m:sSub>
+                      <m:sSubPr>
+                        <m:ctrlPr>
+                          <a:rPr lang="el-GR" sz="1800" i="1">
+                            <a:latin typeface="Cambria Math" panose="02040503050406030204" pitchFamily="18" charset="0"/>
+                          </a:rPr>
+                        </m:ctrlPr>
+                      </m:sSubPr>
+                      <m:e>
+                        <m:r>
+                          <m:rPr>
+                            <m:nor/>
+                          </m:rPr>
+                          <a:rPr lang="el-GR" sz="1800" dirty="0"/>
+                          <m:t>ϵ</m:t>
+                        </m:r>
+                      </m:e>
+                      <m:sub>
+                        <m:r>
+                          <m:rPr>
+                            <m:nor/>
+                          </m:rPr>
+                          <a:rPr lang="en-US" sz="1800" dirty="0"/>
+                          <m:t>t</m:t>
+                        </m:r>
+                        <m:r>
+                          <m:rPr>
+                            <m:nor/>
+                          </m:rPr>
+                          <a:rPr lang="en-US" sz="1800" b="0" i="0" dirty="0" smtClean="0"/>
+                          <m:t>−1</m:t>
+                        </m:r>
+                        <m:r>
+                          <m:rPr>
+                            <m:nor/>
+                          </m:rPr>
+                          <a:rPr lang="en-US" sz="1800" dirty="0"/>
+                          <m:t>​</m:t>
+                        </m:r>
+                      </m:sub>
+                    </m:sSub>
+                  </m:oMath>
+                </a14:m>
+                <a:r>
+                  <a:rPr lang="en-US" dirty="0"/>
+                  <a:t>+ 0.1893</a:t>
+                </a:r>
+                <a:r>
+                  <a:rPr lang="el-GR" dirty="0"/>
+                  <a:t>​</a:t>
+                </a:r>
+                <a14:m>
+                  <m:oMath xmlns:m="http://schemas.openxmlformats.org/officeDocument/2006/math">
+                    <m:sSub>
+                      <m:sSubPr>
+                        <m:ctrlPr>
+                          <a:rPr lang="el-GR" sz="1800" i="1">
+                            <a:latin typeface="Cambria Math" panose="02040503050406030204" pitchFamily="18" charset="0"/>
+                          </a:rPr>
+                        </m:ctrlPr>
+                      </m:sSubPr>
+                      <m:e>
+                        <m:r>
+                          <m:rPr>
+                            <m:nor/>
+                          </m:rPr>
+                          <a:rPr lang="el-GR" sz="1800" dirty="0"/>
+                          <m:t>ϵ</m:t>
+                        </m:r>
+                      </m:e>
+                      <m:sub>
+                        <m:r>
+                          <m:rPr>
+                            <m:nor/>
+                          </m:rPr>
+                          <a:rPr lang="en-US" sz="1800" dirty="0"/>
+                          <m:t>t</m:t>
+                        </m:r>
+                        <m:r>
+                          <m:rPr>
+                            <m:nor/>
+                          </m:rPr>
+                          <a:rPr lang="en-US" sz="1800" dirty="0"/>
+                          <m:t>−2​</m:t>
+                        </m:r>
+                      </m:sub>
+                    </m:sSub>
+                  </m:oMath>
+                </a14:m>
+                <a:r>
+                  <a:rPr lang="en-US" dirty="0"/>
+                  <a:t> -0.4914</a:t>
+                </a:r>
+                <a:r>
+                  <a:rPr lang="el-GR" dirty="0"/>
+                  <a:t> </a:t>
+                </a:r>
+                <a14:m>
+                  <m:oMath xmlns:m="http://schemas.openxmlformats.org/officeDocument/2006/math">
+                    <m:sSub>
+                      <m:sSubPr>
+                        <m:ctrlPr>
+                          <a:rPr lang="el-GR" sz="1800" i="1" smtClean="0">
+                            <a:latin typeface="Cambria Math" panose="02040503050406030204" pitchFamily="18" charset="0"/>
+                          </a:rPr>
+                        </m:ctrlPr>
+                      </m:sSubPr>
+                      <m:e>
+                        <m:r>
+                          <m:rPr>
+                            <m:nor/>
+                          </m:rPr>
+                          <a:rPr lang="el-GR" sz="1800" dirty="0"/>
+                          <m:t>ϵ</m:t>
+                        </m:r>
+                      </m:e>
+                      <m:sub>
+                        <m:r>
+                          <m:rPr>
+                            <m:nor/>
+                          </m:rPr>
+                          <a:rPr lang="en-US" sz="1800" dirty="0"/>
+                          <m:t>t</m:t>
+                        </m:r>
+                        <m:r>
+                          <m:rPr>
+                            <m:nor/>
+                          </m:rPr>
+                          <a:rPr lang="en-US" sz="1800" dirty="0"/>
+                          <m:t>−3</m:t>
+                        </m:r>
+                      </m:sub>
+                    </m:sSub>
+                  </m:oMath>
+                </a14:m>
+                <a:r>
+                  <a:rPr lang="en-US" dirty="0"/>
+                  <a:t> -0.0392</a:t>
+                </a:r>
+                <a:r>
+                  <a:rPr lang="el-GR" dirty="0"/>
+                  <a:t>​​</a:t>
+                </a:r>
+                <a14:m>
+                  <m:oMath xmlns:m="http://schemas.openxmlformats.org/officeDocument/2006/math">
+                    <m:sSub>
+                      <m:sSubPr>
+                        <m:ctrlPr>
+                          <a:rPr lang="el-GR" sz="1800" i="1">
+                            <a:latin typeface="Cambria Math" panose="02040503050406030204" pitchFamily="18" charset="0"/>
+                          </a:rPr>
+                        </m:ctrlPr>
+                      </m:sSubPr>
+                      <m:e>
+                        <m:r>
+                          <m:rPr>
+                            <m:nor/>
+                          </m:rPr>
+                          <a:rPr lang="el-GR" sz="1800" dirty="0"/>
+                          <m:t>ϵ</m:t>
+                        </m:r>
+                      </m:e>
+                      <m:sub>
+                        <m:r>
+                          <m:rPr>
+                            <m:nor/>
+                          </m:rPr>
+                          <a:rPr lang="en-US" sz="1800" dirty="0"/>
+                          <m:t>t</m:t>
+                        </m:r>
+                        <m:r>
+                          <m:rPr>
+                            <m:nor/>
+                          </m:rPr>
+                          <a:rPr lang="en-US" sz="1800" dirty="0"/>
+                          <m:t>−4</m:t>
+                        </m:r>
+                      </m:sub>
+                    </m:sSub>
+                  </m:oMath>
+                </a14:m>
+                <a:r>
+                  <a:rPr lang="en-US" sz="1800" dirty="0"/>
+                  <a:t> </a:t>
+                </a:r>
+                <a:r>
+                  <a:rPr lang="en-US" dirty="0"/>
+                  <a:t>+ 0.0228</a:t>
+                </a:r>
+                <a14:m>
+                  <m:oMath xmlns:m="http://schemas.openxmlformats.org/officeDocument/2006/math">
+                    <m:sSub>
+                      <m:sSubPr>
+                        <m:ctrlPr>
+                          <a:rPr lang="el-GR" sz="1800" i="1" smtClean="0">
+                            <a:latin typeface="Cambria Math" panose="02040503050406030204" pitchFamily="18" charset="0"/>
+                          </a:rPr>
+                        </m:ctrlPr>
+                      </m:sSubPr>
+                      <m:e>
+                        <m:r>
+                          <m:rPr>
+                            <m:nor/>
+                          </m:rPr>
+                          <a:rPr lang="el-GR" sz="1800" dirty="0"/>
+                          <m:t>ϵ</m:t>
+                        </m:r>
+                      </m:e>
+                      <m:sub>
+                        <m:r>
+                          <m:rPr>
+                            <m:nor/>
+                          </m:rPr>
+                          <a:rPr lang="en-US" sz="1800" dirty="0"/>
+                          <m:t>t</m:t>
+                        </m:r>
+                        <m:r>
+                          <m:rPr>
+                            <m:nor/>
+                          </m:rPr>
+                          <a:rPr lang="en-US" sz="1800" dirty="0"/>
+                          <m:t>−5​</m:t>
+                        </m:r>
+                      </m:sub>
+                    </m:sSub>
+                  </m:oMath>
+                </a14:m>
+                <a:r>
+                  <a:rPr lang="en-US" sz="1800" dirty="0"/>
+                  <a:t> </a:t>
+                </a:r>
+                <a:r>
+                  <a:rPr lang="en-US" dirty="0"/>
+                  <a:t>-0.5188</a:t>
+                </a:r>
+                <a:r>
+                  <a:rPr lang="el-GR" dirty="0"/>
+                  <a:t> </a:t>
+                </a:r>
+                <a14:m>
+                  <m:oMath xmlns:m="http://schemas.openxmlformats.org/officeDocument/2006/math">
+                    <m:sSub>
+                      <m:sSubPr>
+                        <m:ctrlPr>
+                          <a:rPr lang="el-GR" sz="1800" i="1">
+                            <a:latin typeface="Cambria Math" panose="02040503050406030204" pitchFamily="18" charset="0"/>
+                          </a:rPr>
+                        </m:ctrlPr>
+                      </m:sSubPr>
+                      <m:e>
+                        <m:r>
+                          <m:rPr>
+                            <m:nor/>
+                          </m:rPr>
+                          <a:rPr lang="el-GR" sz="1800" dirty="0"/>
+                          <m:t>ϵ</m:t>
+                        </m:r>
+                      </m:e>
+                      <m:sub>
+                        <m:r>
+                          <m:rPr>
+                            <m:nor/>
+                          </m:rPr>
+                          <a:rPr lang="en-US" sz="1800" dirty="0"/>
+                          <m:t>t</m:t>
+                        </m:r>
+                        <m:r>
+                          <m:rPr>
+                            <m:nor/>
+                          </m:rPr>
+                          <a:rPr lang="en-US" sz="1800" dirty="0"/>
+                          <m:t>−6​</m:t>
+                        </m:r>
+                      </m:sub>
+                    </m:sSub>
+                  </m:oMath>
+                </a14:m>
+                <a:r>
+                  <a:rPr lang="en-US" dirty="0"/>
+                  <a:t>+ 0.3685</a:t>
+                </a:r>
+              </a:p>
+              <a:p>
+                <a:pPr marL="0" indent="0">
+                  <a:buNone/>
+                </a:pPr>
+                <a:endParaRPr lang="en-US" dirty="0"/>
+              </a:p>
+            </p:txBody>
+          </p:sp>
+        </mc:Choice>
+        <mc:Fallback xmlns="">
+          <p:sp>
+            <p:nvSpPr>
+              <p:cNvPr id="3" name="Content Placeholder 2">
+                <a:extLst>
+                  <a:ext uri="{FF2B5EF4-FFF2-40B4-BE49-F238E27FC236}">
+                    <a16:creationId xmlns:a16="http://schemas.microsoft.com/office/drawing/2014/main" id="{0BFB177F-99F7-47F0-0E49-B2B93E31EB56}"/>
+                  </a:ext>
+                </a:extLst>
+              </p:cNvPr>
+              <p:cNvSpPr>
+                <a:spLocks noGrp="1" noRot="1" noChangeAspect="1" noMove="1" noResize="1" noEditPoints="1" noAdjustHandles="1" noChangeArrowheads="1" noChangeShapeType="1" noTextEdit="1"/>
+              </p:cNvSpPr>
+              <p:nvPr>
+                <p:ph idx="1"/>
+              </p:nvPr>
+            </p:nvSpPr>
+            <p:spPr>
+              <a:blipFill>
+                <a:blip r:embed="rId3"/>
+                <a:stretch>
+                  <a:fillRect l="-1206" t="-2326"/>
+                </a:stretch>
+              </a:blipFill>
+            </p:spPr>
+            <p:txBody>
+              <a:bodyPr/>
+              <a:lstStyle/>
+              <a:p>
+                <a:r>
+                  <a:rPr lang="en-US">
+                    <a:noFill/>
+                  </a:rPr>
+                  <a:t> </a:t>
+                </a:r>
+              </a:p>
+            </p:txBody>
+          </p:sp>
+        </mc:Fallback>
+      </mc:AlternateContent>
+    </p:spTree>
+    <p:extLst>
+      <p:ext uri="{BB962C8B-B14F-4D97-AF65-F5344CB8AC3E}">
+        <p14:creationId xmlns:p14="http://schemas.microsoft.com/office/powerpoint/2010/main" val="1647606472"/>
+      </p:ext>
+    </p:extLst>
+  </p:cSld>
+  <p:clrMapOvr>
+    <a:masterClrMapping/>
+  </p:clrMapOvr>
+</p:sld>
+</file>
+
+<file path=ppt/slides/slide9.xml><?xml version="1.0" encoding="utf-8"?>
+<p:sld xmlns:a="http://schemas.openxmlformats.org/drawingml/2006/main" xmlns:r="http://schemas.openxmlformats.org/officeDocument/2006/relationships" xmlns:p="http://schemas.openxmlformats.org/presentationml/2006/main">
+  <p:cSld>
+    <p:spTree>
+      <p:nvGrpSpPr>
+        <p:cNvPr id="1" name=""/>
+        <p:cNvGrpSpPr/>
+        <p:nvPr/>
+      </p:nvGrpSpPr>
+      <p:grpSpPr>
+        <a:xfrm>
+          <a:off x="0" y="0"/>
+          <a:ext cx="0" cy="0"/>
+          <a:chOff x="0" y="0"/>
+          <a:chExt cx="0" cy="0"/>
+        </a:xfrm>
+      </p:grpSpPr>
+      <p:sp>
+        <p:nvSpPr>
+          <p:cNvPr id="2" name="Title 1">
+            <a:extLst>
+              <a:ext uri="{FF2B5EF4-FFF2-40B4-BE49-F238E27FC236}">
+                <a16:creationId xmlns:a16="http://schemas.microsoft.com/office/drawing/2014/main" id="{3050135B-1805-7507-3663-B4BEB534C2D7}"/>
+              </a:ext>
+            </a:extLst>
+          </p:cNvPr>
+          <p:cNvSpPr>
+            <a:spLocks noGrp="1"/>
+          </p:cNvSpPr>
+          <p:nvPr>
+            <p:ph type="title"/>
+          </p:nvPr>
+        </p:nvSpPr>
+        <p:spPr/>
+        <p:txBody>
+          <a:bodyPr/>
+          <a:lstStyle/>
+          <a:p>
+            <a:r>
+              <a:rPr lang="en-US" dirty="0"/>
+              <a:t>Choosing MA(6): </a:t>
+            </a:r>
+          </a:p>
+        </p:txBody>
+      </p:sp>
+      <p:sp>
+        <p:nvSpPr>
+          <p:cNvPr id="5" name="Content Placeholder 4">
+            <a:extLst>
+              <a:ext uri="{FF2B5EF4-FFF2-40B4-BE49-F238E27FC236}">
+                <a16:creationId xmlns:a16="http://schemas.microsoft.com/office/drawing/2014/main" id="{A46F1D70-77E8-7F35-E458-B01E61444739}"/>
+              </a:ext>
+            </a:extLst>
+          </p:cNvPr>
+          <p:cNvSpPr>
+            <a:spLocks noGrp="1"/>
+          </p:cNvSpPr>
+          <p:nvPr>
+            <p:ph idx="1"/>
+          </p:nvPr>
+        </p:nvSpPr>
+        <p:spPr/>
+        <p:txBody>
+          <a:bodyPr/>
+          <a:lstStyle/>
+          <a:p>
+            <a:r>
+              <a:rPr lang="en-US" dirty="0"/>
+              <a:t>ACF and PACF of residuals: </a:t>
+            </a:r>
+          </a:p>
+          <a:p>
+            <a:pPr marL="0" indent="0">
+              <a:buNone/>
+            </a:pPr>
+            <a:endParaRPr lang="en-US" dirty="0"/>
+          </a:p>
+        </p:txBody>
+      </p:sp>
+      <p:pic>
+        <p:nvPicPr>
+          <p:cNvPr id="7" name="Picture 6">
+            <a:extLst>
+              <a:ext uri="{FF2B5EF4-FFF2-40B4-BE49-F238E27FC236}">
+                <a16:creationId xmlns:a16="http://schemas.microsoft.com/office/drawing/2014/main" id="{8C306EE3-36E6-70DD-9E82-F839D3DBA3D8}"/>
+              </a:ext>
+            </a:extLst>
+          </p:cNvPr>
+          <p:cNvPicPr>
+            <a:picLocks noChangeAspect="1"/>
+          </p:cNvPicPr>
+          <p:nvPr/>
+        </p:nvPicPr>
+        <p:blipFill>
+          <a:blip r:embed="rId2"/>
+          <a:stretch>
+            <a:fillRect/>
+          </a:stretch>
+        </p:blipFill>
+        <p:spPr>
+          <a:xfrm>
+            <a:off x="585355" y="2212089"/>
+            <a:ext cx="5510645" cy="3578410"/>
+          </a:xfrm>
+          <a:prstGeom prst="rect">
+            <a:avLst/>
+          </a:prstGeom>
+        </p:spPr>
+      </p:pic>
+      <p:pic>
+        <p:nvPicPr>
+          <p:cNvPr id="8" name="Picture 7">
+            <a:extLst>
+              <a:ext uri="{FF2B5EF4-FFF2-40B4-BE49-F238E27FC236}">
+                <a16:creationId xmlns:a16="http://schemas.microsoft.com/office/drawing/2014/main" id="{2375124E-D0B9-32A7-1471-196C0E082B63}"/>
+              </a:ext>
+            </a:extLst>
+          </p:cNvPr>
+          <p:cNvPicPr>
+            <a:picLocks noChangeAspect="1"/>
+          </p:cNvPicPr>
+          <p:nvPr/>
+        </p:nvPicPr>
+        <p:blipFill>
+          <a:blip r:embed="rId3"/>
+          <a:stretch>
+            <a:fillRect/>
+          </a:stretch>
+        </p:blipFill>
+        <p:spPr>
+          <a:xfrm>
+            <a:off x="6096000" y="2458995"/>
+            <a:ext cx="5704703" cy="3368345"/>
+          </a:xfrm>
+          <a:prstGeom prst="rect">
+            <a:avLst/>
+          </a:prstGeom>
+        </p:spPr>
+      </p:pic>
+    </p:spTree>
+    <p:extLst>
+      <p:ext uri="{BB962C8B-B14F-4D97-AF65-F5344CB8AC3E}">
+        <p14:creationId xmlns:p14="http://schemas.microsoft.com/office/powerpoint/2010/main" val="2863052384"/>
       </p:ext>
     </p:extLst>
   </p:cSld>
